--- a/SERVER/WEB/web design.pptx
+++ b/SERVER/WEB/web design.pptx
@@ -107,11 +107,6 @@
       </a:defRPr>
     </a:lvl9pPr>
   </p:defaultTextStyle>
-  <p:extLst>
-    <p:ext uri="{EFAFB233-063F-42B5-8137-9DF3F51BA10A}">
-      <p15:sldGuideLst xmlns:p15="http://schemas.microsoft.com/office/powerpoint/2012/main"/>
-    </p:ext>
-  </p:extLst>
 </p:presentation>
 </file>
 
@@ -246,7 +241,7 @@
           <a:p>
             <a:fld id="{A836D77F-C9FD-4150-A527-1FE10EAA2C72}" type="datetimeFigureOut">
               <a:rPr lang="ko-KR" altLang="en-US" smtClean="0"/>
-              <a:t>2018-11-06</a:t>
+              <a:t>2018-11-03</a:t>
             </a:fld>
             <a:endParaRPr lang="ko-KR" altLang="en-US" dirty="0"/>
           </a:p>
@@ -416,7 +411,7 @@
           <a:p>
             <a:fld id="{A836D77F-C9FD-4150-A527-1FE10EAA2C72}" type="datetimeFigureOut">
               <a:rPr lang="ko-KR" altLang="en-US" smtClean="0"/>
-              <a:t>2018-11-06</a:t>
+              <a:t>2018-11-03</a:t>
             </a:fld>
             <a:endParaRPr lang="ko-KR" altLang="en-US" dirty="0"/>
           </a:p>
@@ -596,7 +591,7 @@
           <a:p>
             <a:fld id="{A836D77F-C9FD-4150-A527-1FE10EAA2C72}" type="datetimeFigureOut">
               <a:rPr lang="ko-KR" altLang="en-US" smtClean="0"/>
-              <a:t>2018-11-06</a:t>
+              <a:t>2018-11-03</a:t>
             </a:fld>
             <a:endParaRPr lang="ko-KR" altLang="en-US" dirty="0"/>
           </a:p>
@@ -766,7 +761,7 @@
           <a:p>
             <a:fld id="{A836D77F-C9FD-4150-A527-1FE10EAA2C72}" type="datetimeFigureOut">
               <a:rPr lang="ko-KR" altLang="en-US" smtClean="0"/>
-              <a:t>2018-11-06</a:t>
+              <a:t>2018-11-03</a:t>
             </a:fld>
             <a:endParaRPr lang="ko-KR" altLang="en-US" dirty="0"/>
           </a:p>
@@ -1010,7 +1005,7 @@
           <a:p>
             <a:fld id="{A836D77F-C9FD-4150-A527-1FE10EAA2C72}" type="datetimeFigureOut">
               <a:rPr lang="ko-KR" altLang="en-US" smtClean="0"/>
-              <a:t>2018-11-06</a:t>
+              <a:t>2018-11-03</a:t>
             </a:fld>
             <a:endParaRPr lang="ko-KR" altLang="en-US" dirty="0"/>
           </a:p>
@@ -1242,7 +1237,7 @@
           <a:p>
             <a:fld id="{A836D77F-C9FD-4150-A527-1FE10EAA2C72}" type="datetimeFigureOut">
               <a:rPr lang="ko-KR" altLang="en-US" smtClean="0"/>
-              <a:t>2018-11-06</a:t>
+              <a:t>2018-11-03</a:t>
             </a:fld>
             <a:endParaRPr lang="ko-KR" altLang="en-US" dirty="0"/>
           </a:p>
@@ -1609,7 +1604,7 @@
           <a:p>
             <a:fld id="{A836D77F-C9FD-4150-A527-1FE10EAA2C72}" type="datetimeFigureOut">
               <a:rPr lang="ko-KR" altLang="en-US" smtClean="0"/>
-              <a:t>2018-11-06</a:t>
+              <a:t>2018-11-03</a:t>
             </a:fld>
             <a:endParaRPr lang="ko-KR" altLang="en-US" dirty="0"/>
           </a:p>
@@ -1727,7 +1722,7 @@
           <a:p>
             <a:fld id="{A836D77F-C9FD-4150-A527-1FE10EAA2C72}" type="datetimeFigureOut">
               <a:rPr lang="ko-KR" altLang="en-US" smtClean="0"/>
-              <a:t>2018-11-06</a:t>
+              <a:t>2018-11-03</a:t>
             </a:fld>
             <a:endParaRPr lang="ko-KR" altLang="en-US" dirty="0"/>
           </a:p>
@@ -1822,7 +1817,7 @@
           <a:p>
             <a:fld id="{A836D77F-C9FD-4150-A527-1FE10EAA2C72}" type="datetimeFigureOut">
               <a:rPr lang="ko-KR" altLang="en-US" smtClean="0"/>
-              <a:t>2018-11-06</a:t>
+              <a:t>2018-11-03</a:t>
             </a:fld>
             <a:endParaRPr lang="ko-KR" altLang="en-US" dirty="0"/>
           </a:p>
@@ -2099,7 +2094,7 @@
           <a:p>
             <a:fld id="{A836D77F-C9FD-4150-A527-1FE10EAA2C72}" type="datetimeFigureOut">
               <a:rPr lang="ko-KR" altLang="en-US" smtClean="0"/>
-              <a:t>2018-11-06</a:t>
+              <a:t>2018-11-03</a:t>
             </a:fld>
             <a:endParaRPr lang="ko-KR" altLang="en-US" dirty="0"/>
           </a:p>
@@ -2356,7 +2351,7 @@
           <a:p>
             <a:fld id="{A836D77F-C9FD-4150-A527-1FE10EAA2C72}" type="datetimeFigureOut">
               <a:rPr lang="ko-KR" altLang="en-US" smtClean="0"/>
-              <a:t>2018-11-06</a:t>
+              <a:t>2018-11-03</a:t>
             </a:fld>
             <a:endParaRPr lang="ko-KR" altLang="en-US" dirty="0"/>
           </a:p>
@@ -2569,7 +2564,7 @@
           <a:p>
             <a:fld id="{A836D77F-C9FD-4150-A527-1FE10EAA2C72}" type="datetimeFigureOut">
               <a:rPr lang="ko-KR" altLang="en-US" smtClean="0"/>
-              <a:t>2018-11-06</a:t>
+              <a:t>2018-11-03</a:t>
             </a:fld>
             <a:endParaRPr lang="ko-KR" altLang="en-US" dirty="0"/>
           </a:p>
@@ -3059,7 +3054,7 @@
         </p:nvSpPr>
         <p:spPr>
           <a:xfrm>
-            <a:off x="20606" y="583723"/>
+            <a:off x="0" y="543518"/>
             <a:ext cx="12192000" cy="5785338"/>
           </a:xfrm>
           <a:prstGeom prst="rect">
@@ -3131,7 +3126,9 @@
             <a:avLst/>
           </a:prstGeom>
           <a:solidFill>
-            <a:srgbClr val="F2F2F2"/>
+            <a:schemeClr val="bg1">
+              <a:lumMod val="95000"/>
+            </a:schemeClr>
           </a:solidFill>
           <a:ln>
             <a:noFill/>
@@ -4880,6 +4877,42 @@
           </a:p>
         </p:txBody>
       </p:sp>
+      <p:pic>
+        <p:nvPicPr>
+          <p:cNvPr id="1028" name="그림 1027">
+            <a:extLst>
+              <a:ext uri="{FF2B5EF4-FFF2-40B4-BE49-F238E27FC236}">
+                <a16:creationId xmlns:a16="http://schemas.microsoft.com/office/drawing/2014/main" id="{6A6FE89D-BA2F-40F0-9DEE-768FC814EF7E}"/>
+              </a:ext>
+            </a:extLst>
+          </p:cNvPr>
+          <p:cNvPicPr>
+            <a:picLocks noChangeAspect="1"/>
+          </p:cNvPicPr>
+          <p:nvPr/>
+        </p:nvPicPr>
+        <p:blipFill>
+          <a:blip r:embed="rId3">
+            <a:extLst>
+              <a:ext uri="{28A0092B-C50C-407E-A947-70E740481C1C}">
+                <a14:useLocalDpi xmlns:a14="http://schemas.microsoft.com/office/drawing/2010/main" val="0"/>
+              </a:ext>
+            </a:extLst>
+          </a:blip>
+          <a:stretch>
+            <a:fillRect/>
+          </a:stretch>
+        </p:blipFill>
+        <p:spPr>
+          <a:xfrm>
+            <a:off x="5065078" y="3875450"/>
+            <a:ext cx="1969012" cy="762002"/>
+          </a:xfrm>
+          <a:prstGeom prst="rect">
+            <a:avLst/>
+          </a:prstGeom>
+        </p:spPr>
+      </p:pic>
       <p:sp>
         <p:nvSpPr>
           <p:cNvPr id="74" name="직사각형 73">
@@ -4983,10 +5016,10 @@
           <p:nvPr/>
         </p:nvPicPr>
         <p:blipFill>
-          <a:blip r:embed="rId3">
+          <a:blip r:embed="rId4">
             <a:extLst>
               <a:ext uri="{96DAC541-7B7A-43D3-8B79-37D633B846F1}">
-                <asvg:svgBlip xmlns:asvg="http://schemas.microsoft.com/office/drawing/2016/SVG/main" r:embed="rId4"/>
+                <asvg:svgBlip xmlns:asvg="http://schemas.microsoft.com/office/drawing/2016/SVG/main" r:embed="rId5"/>
               </a:ext>
             </a:extLst>
           </a:blip>
@@ -4997,7 +5030,7 @@
         <p:spPr>
           <a:xfrm>
             <a:off x="7015894" y="4001145"/>
-            <a:ext cx="1719899" cy="529200"/>
+            <a:ext cx="1669817" cy="513790"/>
           </a:xfrm>
           <a:prstGeom prst="rect">
             <a:avLst/>
@@ -5194,7 +5227,7 @@
             <a:r>
               <a:rPr lang="en-US" altLang="ko-KR" sz="1400" dirty="0">
                 <a:latin typeface="+mn-ea"/>
-                <a:hlinkClick r:id="rId5"/>
+                <a:hlinkClick r:id="rId6"/>
               </a:rPr>
               <a:t>KNU0x01@gmail.com</a:t>
             </a:r>
@@ -6712,7 +6745,7 @@
             <a:pPr defTabSz="914466" latinLnBrk="1">
               <a:defRPr/>
             </a:pPr>
-            <a:endParaRPr lang="ko-KR" altLang="en-US" sz="1799" dirty="0">
+            <a:endParaRPr lang="ko-KR" altLang="en-US" sz="1799">
               <a:solidFill>
                 <a:prstClr val="black"/>
               </a:solidFill>
@@ -8251,12 +8284,42 @@
           </a:p>
         </p:txBody>
       </p:sp>
+      <p:pic>
+        <p:nvPicPr>
+          <p:cNvPr id="209" name="그림 208">
+            <a:extLst>
+              <a:ext uri="{FF2B5EF4-FFF2-40B4-BE49-F238E27FC236}">
+                <a16:creationId xmlns:a16="http://schemas.microsoft.com/office/drawing/2014/main" id="{EB808CD3-4D02-471E-8D9B-6D455642F912}"/>
+              </a:ext>
+            </a:extLst>
+          </p:cNvPr>
+          <p:cNvPicPr>
+            <a:picLocks noChangeAspect="1"/>
+          </p:cNvPicPr>
+          <p:nvPr/>
+        </p:nvPicPr>
+        <p:blipFill>
+          <a:blip r:embed="rId7"/>
+          <a:stretch>
+            <a:fillRect/>
+          </a:stretch>
+        </p:blipFill>
+        <p:spPr>
+          <a:xfrm>
+            <a:off x="-5053" y="6382562"/>
+            <a:ext cx="12192000" cy="6858000"/>
+          </a:xfrm>
+          <a:prstGeom prst="rect">
+            <a:avLst/>
+          </a:prstGeom>
+        </p:spPr>
+      </p:pic>
       <p:grpSp>
         <p:nvGrpSpPr>
-          <p:cNvPr id="2" name="그룹 1">
+          <p:cNvPr id="1031" name="그룹 1030">
             <a:extLst>
               <a:ext uri="{FF2B5EF4-FFF2-40B4-BE49-F238E27FC236}">
-                <a16:creationId xmlns:a16="http://schemas.microsoft.com/office/drawing/2014/main" id="{C7922E6B-19FE-497C-83D3-04D63F33242E}"/>
+                <a16:creationId xmlns:a16="http://schemas.microsoft.com/office/drawing/2014/main" id="{66F36986-F17E-4D31-9F6C-D101191F3121}"/>
               </a:ext>
             </a:extLst>
           </p:cNvPr>
@@ -8265,224 +8328,173 @@
         </p:nvGrpSpPr>
         <p:grpSpPr>
           <a:xfrm>
-            <a:off x="-5053" y="6382562"/>
-            <a:ext cx="12202701" cy="6858000"/>
-            <a:chOff x="-5053" y="6382562"/>
-            <a:chExt cx="12202701" cy="6858000"/>
+            <a:off x="-13407" y="6391275"/>
+            <a:ext cx="12192000" cy="6849287"/>
+            <a:chOff x="0" y="6328857"/>
+            <a:chExt cx="12192000" cy="5785339"/>
           </a:xfrm>
+          <a:solidFill>
+            <a:schemeClr val="bg1">
+              <a:alpha val="66000"/>
+            </a:schemeClr>
+          </a:solidFill>
         </p:grpSpPr>
-        <p:pic>
-          <p:nvPicPr>
-            <p:cNvPr id="209" name="그림 208">
+        <p:sp>
+          <p:nvSpPr>
+            <p:cNvPr id="7" name="직사각형 6">
               <a:extLst>
                 <a:ext uri="{FF2B5EF4-FFF2-40B4-BE49-F238E27FC236}">
-                  <a16:creationId xmlns:a16="http://schemas.microsoft.com/office/drawing/2014/main" id="{EB808CD3-4D02-471E-8D9B-6D455642F912}"/>
+                  <a16:creationId xmlns:a16="http://schemas.microsoft.com/office/drawing/2014/main" id="{18501FE7-EEF9-447E-926E-E29903FCB939}"/>
                 </a:ext>
               </a:extLst>
             </p:cNvPr>
-            <p:cNvPicPr>
-              <a:picLocks noChangeAspect="1"/>
-            </p:cNvPicPr>
+            <p:cNvSpPr/>
             <p:nvPr/>
-          </p:nvPicPr>
-          <p:blipFill>
-            <a:blip r:embed="rId6"/>
-            <a:stretch>
-              <a:fillRect/>
-            </a:stretch>
-          </p:blipFill>
+          </p:nvSpPr>
           <p:spPr>
             <a:xfrm>
-              <a:off x="-5053" y="6382562"/>
-              <a:ext cx="12192000" cy="6858000"/>
+              <a:off x="0" y="6328857"/>
+              <a:ext cx="12192000" cy="5785339"/>
             </a:xfrm>
             <a:prstGeom prst="rect">
               <a:avLst/>
             </a:prstGeom>
+            <a:grpFill/>
+            <a:ln>
+              <a:noFill/>
+            </a:ln>
           </p:spPr>
-        </p:pic>
-        <p:grpSp>
-          <p:nvGrpSpPr>
-            <p:cNvPr id="1031" name="그룹 1030">
+          <p:style>
+            <a:lnRef idx="2">
+              <a:schemeClr val="accent1">
+                <a:shade val="50000"/>
+              </a:schemeClr>
+            </a:lnRef>
+            <a:fillRef idx="1">
+              <a:schemeClr val="accent1"/>
+            </a:fillRef>
+            <a:effectRef idx="0">
+              <a:schemeClr val="accent1"/>
+            </a:effectRef>
+            <a:fontRef idx="minor">
+              <a:schemeClr val="lt1"/>
+            </a:fontRef>
+          </p:style>
+          <p:txBody>
+            <a:bodyPr rot="0" spcFirstLastPara="0" vertOverflow="overflow" horzOverflow="overflow" vert="horz" wrap="square" lIns="91440" tIns="45721" rIns="91440" bIns="45721" numCol="1" spcCol="0" rtlCol="0" fromWordArt="0" anchor="ctr" anchorCtr="0" forceAA="0" compatLnSpc="1">
+              <a:prstTxWarp prst="textNoShape">
+                <a:avLst/>
+              </a:prstTxWarp>
+              <a:noAutofit/>
+            </a:bodyPr>
+            <a:lstStyle/>
+            <a:p>
+              <a:pPr algn="ctr"/>
+              <a:endParaRPr lang="ko-KR" altLang="en-US" sz="1799" dirty="0">
+                <a:solidFill>
+                  <a:srgbClr val="FF0000"/>
+                </a:solidFill>
+                <a:latin typeface="나눔스퀘어 ExtraBold" panose="020B0600000101010101" pitchFamily="50" charset="-127"/>
+                <a:ea typeface="나눔스퀘어 ExtraBold" panose="020B0600000101010101" pitchFamily="50" charset="-127"/>
+              </a:endParaRPr>
+            </a:p>
+          </p:txBody>
+        </p:sp>
+        <p:sp>
+          <p:nvSpPr>
+            <p:cNvPr id="1029" name="직사각형 1028">
               <a:extLst>
                 <a:ext uri="{FF2B5EF4-FFF2-40B4-BE49-F238E27FC236}">
-                  <a16:creationId xmlns:a16="http://schemas.microsoft.com/office/drawing/2014/main" id="{66F36986-F17E-4D31-9F6C-D101191F3121}"/>
+                  <a16:creationId xmlns:a16="http://schemas.microsoft.com/office/drawing/2014/main" id="{ED6865C8-D84D-464C-8F2B-1734CDED09E4}"/>
                 </a:ext>
               </a:extLst>
             </p:cNvPr>
-            <p:cNvGrpSpPr/>
+            <p:cNvSpPr/>
             <p:nvPr/>
-          </p:nvGrpSpPr>
-          <p:grpSpPr>
+          </p:nvSpPr>
+          <p:spPr>
             <a:xfrm>
-              <a:off x="5648" y="6391275"/>
-              <a:ext cx="12192000" cy="6849287"/>
-              <a:chOff x="19055" y="6328857"/>
-              <a:chExt cx="12192000" cy="5785339"/>
+              <a:off x="3148417" y="8211132"/>
+              <a:ext cx="6096001" cy="701912"/>
             </a:xfrm>
-            <a:solidFill>
-              <a:schemeClr val="bg1">
-                <a:alpha val="66000"/>
-              </a:schemeClr>
-            </a:solidFill>
-          </p:grpSpPr>
-          <p:sp>
-            <p:nvSpPr>
-              <p:cNvPr id="7" name="직사각형 6">
-                <a:extLst>
-                  <a:ext uri="{FF2B5EF4-FFF2-40B4-BE49-F238E27FC236}">
-                    <a16:creationId xmlns:a16="http://schemas.microsoft.com/office/drawing/2014/main" id="{18501FE7-EEF9-447E-926E-E29903FCB939}"/>
-                  </a:ext>
-                </a:extLst>
-              </p:cNvPr>
-              <p:cNvSpPr/>
-              <p:nvPr/>
-            </p:nvSpPr>
-            <p:spPr>
-              <a:xfrm>
-                <a:off x="19055" y="6328857"/>
-                <a:ext cx="12192000" cy="5785339"/>
-              </a:xfrm>
-              <a:prstGeom prst="rect">
-                <a:avLst/>
-              </a:prstGeom>
-              <a:grpFill/>
-              <a:ln>
-                <a:noFill/>
-              </a:ln>
-            </p:spPr>
-            <p:style>
-              <a:lnRef idx="2">
-                <a:schemeClr val="accent1">
-                  <a:shade val="50000"/>
-                </a:schemeClr>
-              </a:lnRef>
-              <a:fillRef idx="1">
-                <a:schemeClr val="accent1"/>
-              </a:fillRef>
-              <a:effectRef idx="0">
-                <a:schemeClr val="accent1"/>
-              </a:effectRef>
-              <a:fontRef idx="minor">
-                <a:schemeClr val="lt1"/>
-              </a:fontRef>
-            </p:style>
-            <p:txBody>
-              <a:bodyPr rot="0" spcFirstLastPara="0" vertOverflow="overflow" horzOverflow="overflow" vert="horz" wrap="square" lIns="91440" tIns="45721" rIns="91440" bIns="45721" numCol="1" spcCol="0" rtlCol="0" fromWordArt="0" anchor="ctr" anchorCtr="0" forceAA="0" compatLnSpc="1">
-                <a:prstTxWarp prst="textNoShape">
-                  <a:avLst/>
-                </a:prstTxWarp>
-                <a:noAutofit/>
-              </a:bodyPr>
-              <a:lstStyle/>
-              <a:p>
-                <a:pPr algn="ctr"/>
-                <a:endParaRPr lang="ko-KR" altLang="en-US" sz="1799" dirty="0">
+            <a:prstGeom prst="rect">
+              <a:avLst/>
+            </a:prstGeom>
+            <a:grpFill/>
+          </p:spPr>
+          <p:txBody>
+            <a:bodyPr anchor="ctr">
+              <a:spAutoFit/>
+            </a:bodyPr>
+            <a:lstStyle/>
+            <a:p>
+              <a:pPr algn="ctr"/>
+              <a:r>
+                <a:rPr lang="ko-KR" altLang="en-US" sz="2400" dirty="0">
+                  <a:latin typeface="나눔스퀘어 ExtraBold" panose="020B0600000101010101" pitchFamily="50" charset="-127"/>
+                  <a:ea typeface="나눔스퀘어 ExtraBold" panose="020B0600000101010101" pitchFamily="50" charset="-127"/>
+                </a:rPr>
+                <a:t>외국인 교환학생을 위한</a:t>
+              </a:r>
+              <a:endParaRPr lang="en-US" altLang="ko-KR" sz="2400" dirty="0">
+                <a:latin typeface="나눔스퀘어 ExtraBold" panose="020B0600000101010101" pitchFamily="50" charset="-127"/>
+                <a:ea typeface="나눔스퀘어 ExtraBold" panose="020B0600000101010101" pitchFamily="50" charset="-127"/>
+              </a:endParaRPr>
+            </a:p>
+            <a:p>
+              <a:pPr algn="ctr"/>
+              <a:r>
+                <a:rPr lang="ko-KR" altLang="en-US" sz="2400" dirty="0">
+                  <a:latin typeface="나눔스퀘어 ExtraBold" panose="020B0600000101010101" pitchFamily="50" charset="-127"/>
+                  <a:ea typeface="나눔스퀘어 ExtraBold" panose="020B0600000101010101" pitchFamily="50" charset="-127"/>
+                </a:rPr>
+                <a:t>외국인 교환학생 커뮤니티 플랫폼</a:t>
+              </a:r>
+            </a:p>
+          </p:txBody>
+        </p:sp>
+        <p:sp>
+          <p:nvSpPr>
+            <p:cNvPr id="73" name="직사각형 72">
+              <a:extLst>
+                <a:ext uri="{FF2B5EF4-FFF2-40B4-BE49-F238E27FC236}">
+                  <a16:creationId xmlns:a16="http://schemas.microsoft.com/office/drawing/2014/main" id="{5F50B6A7-51FB-4706-9084-59D37CEFFD78}"/>
+                </a:ext>
+              </a:extLst>
+            </p:cNvPr>
+            <p:cNvSpPr/>
+            <p:nvPr/>
+          </p:nvSpPr>
+          <p:spPr>
+            <a:xfrm>
+              <a:off x="3706718" y="7128313"/>
+              <a:ext cx="4722518" cy="779903"/>
+            </a:xfrm>
+            <a:prstGeom prst="rect">
+              <a:avLst/>
+            </a:prstGeom>
+            <a:grpFill/>
+          </p:spPr>
+          <p:txBody>
+            <a:bodyPr wrap="square">
+              <a:spAutoFit/>
+            </a:bodyPr>
+            <a:lstStyle/>
+            <a:p>
+              <a:pPr algn="ctr"/>
+              <a:r>
+                <a:rPr lang="en-US" altLang="ko-KR" sz="5400" dirty="0">
                   <a:solidFill>
                     <a:srgbClr val="FF0000"/>
                   </a:solidFill>
                   <a:latin typeface="나눔스퀘어 ExtraBold" panose="020B0600000101010101" pitchFamily="50" charset="-127"/>
                   <a:ea typeface="나눔스퀘어 ExtraBold" panose="020B0600000101010101" pitchFamily="50" charset="-127"/>
-                </a:endParaRPr>
-              </a:p>
-            </p:txBody>
-          </p:sp>
-          <p:sp>
-            <p:nvSpPr>
-              <p:cNvPr id="1029" name="직사각형 1028">
-                <a:extLst>
-                  <a:ext uri="{FF2B5EF4-FFF2-40B4-BE49-F238E27FC236}">
-                    <a16:creationId xmlns:a16="http://schemas.microsoft.com/office/drawing/2014/main" id="{ED6865C8-D84D-464C-8F2B-1734CDED09E4}"/>
-                  </a:ext>
-                </a:extLst>
-              </p:cNvPr>
-              <p:cNvSpPr/>
-              <p:nvPr/>
-            </p:nvSpPr>
-            <p:spPr>
-              <a:xfrm>
-                <a:off x="3148417" y="8211132"/>
-                <a:ext cx="6096001" cy="701912"/>
-              </a:xfrm>
-              <a:prstGeom prst="rect">
-                <a:avLst/>
-              </a:prstGeom>
-              <a:grpFill/>
-            </p:spPr>
-            <p:txBody>
-              <a:bodyPr anchor="ctr">
-                <a:spAutoFit/>
-              </a:bodyPr>
-              <a:lstStyle/>
-              <a:p>
-                <a:pPr algn="ctr"/>
-                <a:r>
-                  <a:rPr lang="ko-KR" altLang="en-US" sz="2400" dirty="0">
-                    <a:latin typeface="나눔스퀘어 ExtraBold" panose="020B0600000101010101" pitchFamily="50" charset="-127"/>
-                    <a:ea typeface="나눔스퀘어 ExtraBold" panose="020B0600000101010101" pitchFamily="50" charset="-127"/>
-                  </a:rPr>
-                  <a:t>외국인 교환학생을 위한</a:t>
-                </a:r>
-                <a:endParaRPr lang="en-US" altLang="ko-KR" sz="2400" dirty="0">
-                  <a:latin typeface="나눔스퀘어 ExtraBold" panose="020B0600000101010101" pitchFamily="50" charset="-127"/>
-                  <a:ea typeface="나눔스퀘어 ExtraBold" panose="020B0600000101010101" pitchFamily="50" charset="-127"/>
-                </a:endParaRPr>
-              </a:p>
-              <a:p>
-                <a:pPr algn="ctr"/>
-                <a:r>
-                  <a:rPr lang="ko-KR" altLang="en-US" sz="2400" dirty="0">
-                    <a:latin typeface="나눔스퀘어 ExtraBold" panose="020B0600000101010101" pitchFamily="50" charset="-127"/>
-                    <a:ea typeface="나눔스퀘어 ExtraBold" panose="020B0600000101010101" pitchFamily="50" charset="-127"/>
-                  </a:rPr>
-                  <a:t>외국인 교환학생 커뮤니티 플랫폼</a:t>
-                </a:r>
-              </a:p>
-            </p:txBody>
-          </p:sp>
-          <p:sp>
-            <p:nvSpPr>
-              <p:cNvPr id="73" name="직사각형 72">
-                <a:extLst>
-                  <a:ext uri="{FF2B5EF4-FFF2-40B4-BE49-F238E27FC236}">
-                    <a16:creationId xmlns:a16="http://schemas.microsoft.com/office/drawing/2014/main" id="{5F50B6A7-51FB-4706-9084-59D37CEFFD78}"/>
-                  </a:ext>
-                </a:extLst>
-              </p:cNvPr>
-              <p:cNvSpPr/>
-              <p:nvPr/>
-            </p:nvSpPr>
-            <p:spPr>
-              <a:xfrm>
-                <a:off x="3706718" y="7128313"/>
-                <a:ext cx="4722518" cy="779903"/>
-              </a:xfrm>
-              <a:prstGeom prst="rect">
-                <a:avLst/>
-              </a:prstGeom>
-              <a:grpFill/>
-            </p:spPr>
-            <p:txBody>
-              <a:bodyPr wrap="square">
-                <a:spAutoFit/>
-              </a:bodyPr>
-              <a:lstStyle/>
-              <a:p>
-                <a:pPr algn="ctr"/>
-                <a:r>
-                  <a:rPr lang="en-US" altLang="ko-KR" sz="5400" dirty="0">
-                    <a:solidFill>
-                      <a:srgbClr val="FF0000"/>
-                    </a:solidFill>
-                    <a:latin typeface="나눔스퀘어 ExtraBold" panose="020B0600000101010101" pitchFamily="50" charset="-127"/>
-                    <a:ea typeface="나눔스퀘어 ExtraBold" panose="020B0600000101010101" pitchFamily="50" charset="-127"/>
-                  </a:rPr>
-                  <a:t>1,250,0000</a:t>
-                </a:r>
-              </a:p>
-            </p:txBody>
-          </p:sp>
-        </p:grpSp>
+                </a:rPr>
+                <a:t>1,250,0000</a:t>
+              </a:r>
+            </a:p>
+          </p:txBody>
+        </p:sp>
       </p:grpSp>
       <p:sp>
         <p:nvSpPr>
@@ -8847,6 +8859,10 @@
                 </a:rPr>
                 <a:t>생필품 구매</a:t>
               </a:r>
+              <a:endParaRPr lang="en-US" altLang="ko-KR" sz="2000" dirty="0">
+                <a:latin typeface="나눔스퀘어 ExtraBold" panose="020B0600000101010101" pitchFamily="50" charset="-127"/>
+                <a:ea typeface="나눔스퀘어 ExtraBold" panose="020B0600000101010101" pitchFamily="50" charset="-127"/>
+              </a:endParaRPr>
             </a:p>
           </p:txBody>
         </p:sp>
@@ -9800,7 +9816,7 @@
                 <p:nvPr/>
               </p:nvPicPr>
               <p:blipFill>
-                <a:blip r:embed="rId7" cstate="hqprint">
+                <a:blip r:embed="rId8" cstate="hqprint">
                   <a:extLst>
                     <a:ext uri="{28A0092B-C50C-407E-A947-70E740481C1C}">
                       <a14:useLocalDpi xmlns:a14="http://schemas.microsoft.com/office/drawing/2010/main" val="0"/>
@@ -9910,7 +9926,7 @@
                 <p:nvPr/>
               </p:nvPicPr>
               <p:blipFill>
-                <a:blip r:embed="rId8" cstate="hqprint">
+                <a:blip r:embed="rId9" cstate="hqprint">
                   <a:extLst>
                     <a:ext uri="{28A0092B-C50C-407E-A947-70E740481C1C}">
                       <a14:useLocalDpi xmlns:a14="http://schemas.microsoft.com/office/drawing/2010/main" val="0"/>
@@ -10020,11 +10036,11 @@
                 <p:nvPr/>
               </p:nvPicPr>
               <p:blipFill>
-                <a:blip r:embed="rId9" cstate="hqprint">
+                <a:blip r:embed="rId10" cstate="hqprint">
                   <a:extLst>
                     <a:ext uri="{BEBA8EAE-BF5A-486C-A8C5-ECC9F3942E4B}">
                       <a14:imgProps xmlns:a14="http://schemas.microsoft.com/office/drawing/2010/main">
-                        <a14:imgLayer r:embed="rId10">
+                        <a14:imgLayer r:embed="rId11">
                           <a14:imgEffect>
                             <a14:brightnessContrast bright="-11000"/>
                           </a14:imgEffect>
@@ -10139,11 +10155,11 @@
                 <p:nvPr/>
               </p:nvPicPr>
               <p:blipFill>
-                <a:blip r:embed="rId11" cstate="hqprint">
+                <a:blip r:embed="rId12" cstate="hqprint">
                   <a:extLst>
                     <a:ext uri="{BEBA8EAE-BF5A-486C-A8C5-ECC9F3942E4B}">
                       <a14:imgProps xmlns:a14="http://schemas.microsoft.com/office/drawing/2010/main">
-                        <a14:imgLayer r:embed="rId12">
+                        <a14:imgLayer r:embed="rId13">
                           <a14:imgEffect>
                             <a14:brightnessContrast bright="-11000"/>
                           </a14:imgEffect>
@@ -10855,7 +10871,7 @@
           <p:nvPr/>
         </p:nvPicPr>
         <p:blipFill>
-          <a:blip r:embed="rId13" cstate="hqprint">
+          <a:blip r:embed="rId14" cstate="hqprint">
             <a:extLst>
               <a:ext uri="{28A0092B-C50C-407E-A947-70E740481C1C}">
                 <a14:useLocalDpi xmlns:a14="http://schemas.microsoft.com/office/drawing/2010/main"/>
@@ -11519,41 +11535,6 @@
           </a:p>
         </p:txBody>
       </p:sp>
-      <p:pic>
-        <p:nvPicPr>
-          <p:cNvPr id="6" name="그림 5">
-            <a:extLst>
-              <a:ext uri="{FF2B5EF4-FFF2-40B4-BE49-F238E27FC236}">
-                <a16:creationId xmlns:a16="http://schemas.microsoft.com/office/drawing/2014/main" id="{5EBB2808-78C3-4975-AC9D-A4BE910FFB73}"/>
-              </a:ext>
-            </a:extLst>
-          </p:cNvPr>
-          <p:cNvPicPr>
-            <a:picLocks noChangeAspect="1"/>
-          </p:cNvPicPr>
-          <p:nvPr/>
-        </p:nvPicPr>
-        <p:blipFill rotWithShape="1">
-          <a:blip r:embed="rId14">
-            <a:extLst>
-              <a:ext uri="{28A0092B-C50C-407E-A947-70E740481C1C}">
-                <a14:useLocalDpi xmlns:a14="http://schemas.microsoft.com/office/drawing/2010/main" val="0"/>
-              </a:ext>
-            </a:extLst>
-          </a:blip>
-          <a:srcRect b="3095"/>
-          <a:stretch/>
-        </p:blipFill>
-        <p:spPr>
-          <a:xfrm>
-            <a:off x="5172777" y="4009549"/>
-            <a:ext cx="1770110" cy="529200"/>
-          </a:xfrm>
-          <a:prstGeom prst="rect">
-            <a:avLst/>
-          </a:prstGeom>
-        </p:spPr>
-      </p:pic>
     </p:spTree>
     <p:extLst>
       <p:ext uri="{BB962C8B-B14F-4D97-AF65-F5344CB8AC3E}">
